--- a/presentation/US Road Fatality.pptx
+++ b/presentation/US Road Fatality.pptx
@@ -10,8 +10,8 @@
     <p:sldId id="268" r:id="rId4"/>
     <p:sldId id="258" r:id="rId5"/>
     <p:sldId id="270" r:id="rId6"/>
-    <p:sldId id="271" r:id="rId7"/>
-    <p:sldId id="272" r:id="rId8"/>
+    <p:sldId id="272" r:id="rId7"/>
+    <p:sldId id="271" r:id="rId8"/>
     <p:sldId id="261" r:id="rId9"/>
     <p:sldId id="267" r:id="rId10"/>
     <p:sldId id="264" r:id="rId11"/>
@@ -3223,28 +3223,7 @@
                   </a:outerShdw>
                 </a:effectLst>
               </a:rPr>
-              <a:t>US </a:t>
-            </a:r>
-            <a:r>
-              <a:rPr lang="en-US" sz="3200" b="1" dirty="0" smtClean="0">
-                <a:ln w="18415" cmpd="sng">
-                  <a:solidFill>
-                    <a:srgbClr val="FFFFFF"/>
-                  </a:solidFill>
-                  <a:prstDash val="solid"/>
-                </a:ln>
-                <a:solidFill>
-                  <a:srgbClr val="E8EDF3"/>
-                </a:solidFill>
-                <a:effectLst>
-                  <a:outerShdw blurRad="63500" dir="3600000" algn="tl" rotWithShape="0">
-                    <a:srgbClr val="000000">
-                      <a:alpha val="70000"/>
-                    </a:srgbClr>
-                  </a:outerShdw>
-                </a:effectLst>
-              </a:rPr>
-              <a:t>ACCIDENT FATALITY DATA ANALYSIS </a:t>
+              <a:t>US ACCIDENT FATALITY DATA ANALYSIS </a:t>
             </a:r>
             <a:endParaRPr lang="en-US" sz="3200" b="1" dirty="0">
               <a:ln w="18415" cmpd="sng">
@@ -4002,11 +3981,7 @@
           <a:p>
             <a:r>
               <a:rPr lang="en-US" dirty="0" smtClean="0"/>
-              <a:t>Data </a:t>
-            </a:r>
-            <a:r>
-              <a:rPr lang="en-US" dirty="0" smtClean="0"/>
-              <a:t>Acquisition</a:t>
+              <a:t>Data Acquisition</a:t>
             </a:r>
             <a:endParaRPr lang="en-US" dirty="0"/>
           </a:p>
@@ -6094,6 +6069,142 @@
           <a:p>
             <a:r>
               <a:rPr lang="en-US" dirty="0" smtClean="0"/>
+              <a:t>“Deleted Scenes ”</a:t>
+            </a:r>
+            <a:endParaRPr lang="en-US" dirty="0"/>
+          </a:p>
+        </p:txBody>
+      </p:sp>
+      <p:pic>
+        <p:nvPicPr>
+          <p:cNvPr id="4" name="Picture 3" descr="Dennis_image.png"/>
+          <p:cNvPicPr>
+            <a:picLocks noChangeAspect="1"/>
+          </p:cNvPicPr>
+          <p:nvPr/>
+        </p:nvPicPr>
+        <p:blipFill>
+          <a:blip r:embed="rId2">
+            <a:extLst>
+              <a:ext uri="{28A0092B-C50C-407E-A947-70E740481C1C}">
+                <a14:useLocalDpi xmlns:a14="http://schemas.microsoft.com/office/drawing/2010/main" val="0"/>
+              </a:ext>
+            </a:extLst>
+          </a:blip>
+          <a:stretch>
+            <a:fillRect/>
+          </a:stretch>
+        </p:blipFill>
+        <p:spPr>
+          <a:xfrm>
+            <a:off x="948267" y="1526874"/>
+            <a:ext cx="7382932" cy="4963577"/>
+          </a:xfrm>
+          <a:prstGeom prst="rect">
+            <a:avLst/>
+          </a:prstGeom>
+        </p:spPr>
+      </p:pic>
+      <p:pic>
+        <p:nvPicPr>
+          <p:cNvPr id="5" name="Picture 4" descr="shiny_team_logo.png"/>
+          <p:cNvPicPr>
+            <a:picLocks noChangeAspect="1"/>
+          </p:cNvPicPr>
+          <p:nvPr/>
+        </p:nvPicPr>
+        <p:blipFill>
+          <a:blip r:embed="rId3">
+            <a:alphaModFix/>
+            <a:extLst>
+              <a:ext uri="{BEBA8EAE-BF5A-486C-A8C5-ECC9F3942E4B}">
+                <a14:imgProps xmlns:a14="http://schemas.microsoft.com/office/drawing/2010/main">
+                  <a14:imgLayer r:embed="rId4">
+                    <a14:imgEffect>
+                      <a14:artisticPhotocopy/>
+                    </a14:imgEffect>
+                    <a14:imgEffect>
+                      <a14:sharpenSoften amount="50000"/>
+                    </a14:imgEffect>
+                    <a14:imgEffect>
+                      <a14:saturation sat="33000"/>
+                    </a14:imgEffect>
+                    <a14:imgEffect>
+                      <a14:brightnessContrast bright="40000" contrast="-40000"/>
+                    </a14:imgEffect>
+                  </a14:imgLayer>
+                </a14:imgProps>
+              </a:ext>
+              <a:ext uri="{28A0092B-C50C-407E-A947-70E740481C1C}">
+                <a14:useLocalDpi xmlns:a14="http://schemas.microsoft.com/office/drawing/2010/main" val="0"/>
+              </a:ext>
+            </a:extLst>
+          </a:blip>
+          <a:stretch>
+            <a:fillRect/>
+          </a:stretch>
+        </p:blipFill>
+        <p:spPr>
+          <a:xfrm>
+            <a:off x="0" y="0"/>
+            <a:ext cx="1603091" cy="1089645"/>
+          </a:xfrm>
+          <a:prstGeom prst="rect">
+            <a:avLst/>
+          </a:prstGeom>
+          <a:ln>
+            <a:noFill/>
+          </a:ln>
+          <a:effectLst/>
+        </p:spPr>
+      </p:pic>
+    </p:spTree>
+    <p:extLst>
+      <p:ext uri="{BB962C8B-B14F-4D97-AF65-F5344CB8AC3E}">
+        <p14:creationId xmlns:p14="http://schemas.microsoft.com/office/powerpoint/2010/main" val="3720691107"/>
+      </p:ext>
+    </p:extLst>
+  </p:cSld>
+  <p:clrMapOvr>
+    <a:masterClrMapping/>
+  </p:clrMapOvr>
+</p:sld>
+</file>
+
+<file path=ppt/slides/slide7.xml><?xml version="1.0" encoding="utf-8"?>
+<p:sld xmlns:a="http://schemas.openxmlformats.org/drawingml/2006/main" xmlns:r="http://schemas.openxmlformats.org/officeDocument/2006/relationships" xmlns:p="http://schemas.openxmlformats.org/presentationml/2006/main">
+  <p:cSld>
+    <p:spTree>
+      <p:nvGrpSpPr>
+        <p:cNvPr id="1" name=""/>
+        <p:cNvGrpSpPr/>
+        <p:nvPr/>
+      </p:nvGrpSpPr>
+      <p:grpSpPr>
+        <a:xfrm>
+          <a:off x="0" y="0"/>
+          <a:ext cx="0" cy="0"/>
+          <a:chOff x="0" y="0"/>
+          <a:chExt cx="0" cy="0"/>
+        </a:xfrm>
+      </p:grpSpPr>
+      <p:sp>
+        <p:nvSpPr>
+          <p:cNvPr id="2" name="Title 1"/>
+          <p:cNvSpPr>
+            <a:spLocks noGrp="1"/>
+          </p:cNvSpPr>
+          <p:nvPr>
+            <p:ph type="title"/>
+          </p:nvPr>
+        </p:nvSpPr>
+        <p:spPr/>
+        <p:txBody>
+          <a:bodyPr/>
+          <a:lstStyle/>
+          <a:p>
+            <a:r>
+              <a:rPr lang="en-US" dirty="0" smtClean="0"/>
               <a:t>Data Exploration</a:t>
             </a:r>
             <a:endParaRPr lang="en-US" dirty="0"/>
@@ -6225,142 +6336,6 @@
       </p:par>
     </p:tnLst>
   </p:timing>
-</p:sld>
-</file>
-
-<file path=ppt/slides/slide7.xml><?xml version="1.0" encoding="utf-8"?>
-<p:sld xmlns:a="http://schemas.openxmlformats.org/drawingml/2006/main" xmlns:r="http://schemas.openxmlformats.org/officeDocument/2006/relationships" xmlns:p="http://schemas.openxmlformats.org/presentationml/2006/main">
-  <p:cSld>
-    <p:spTree>
-      <p:nvGrpSpPr>
-        <p:cNvPr id="1" name=""/>
-        <p:cNvGrpSpPr/>
-        <p:nvPr/>
-      </p:nvGrpSpPr>
-      <p:grpSpPr>
-        <a:xfrm>
-          <a:off x="0" y="0"/>
-          <a:ext cx="0" cy="0"/>
-          <a:chOff x="0" y="0"/>
-          <a:chExt cx="0" cy="0"/>
-        </a:xfrm>
-      </p:grpSpPr>
-      <p:sp>
-        <p:nvSpPr>
-          <p:cNvPr id="2" name="Title 1"/>
-          <p:cNvSpPr>
-            <a:spLocks noGrp="1"/>
-          </p:cNvSpPr>
-          <p:nvPr>
-            <p:ph type="title"/>
-          </p:nvPr>
-        </p:nvSpPr>
-        <p:spPr/>
-        <p:txBody>
-          <a:bodyPr/>
-          <a:lstStyle/>
-          <a:p>
-            <a:r>
-              <a:rPr lang="en-US" dirty="0" smtClean="0"/>
-              <a:t>“Deleted Scenes ”</a:t>
-            </a:r>
-            <a:endParaRPr lang="en-US" dirty="0"/>
-          </a:p>
-        </p:txBody>
-      </p:sp>
-      <p:pic>
-        <p:nvPicPr>
-          <p:cNvPr id="4" name="Picture 3" descr="Dennis_image.png"/>
-          <p:cNvPicPr>
-            <a:picLocks noChangeAspect="1"/>
-          </p:cNvPicPr>
-          <p:nvPr/>
-        </p:nvPicPr>
-        <p:blipFill>
-          <a:blip r:embed="rId2">
-            <a:extLst>
-              <a:ext uri="{28A0092B-C50C-407E-A947-70E740481C1C}">
-                <a14:useLocalDpi xmlns:a14="http://schemas.microsoft.com/office/drawing/2010/main" val="0"/>
-              </a:ext>
-            </a:extLst>
-          </a:blip>
-          <a:stretch>
-            <a:fillRect/>
-          </a:stretch>
-        </p:blipFill>
-        <p:spPr>
-          <a:xfrm>
-            <a:off x="948267" y="1526874"/>
-            <a:ext cx="7382932" cy="4963577"/>
-          </a:xfrm>
-          <a:prstGeom prst="rect">
-            <a:avLst/>
-          </a:prstGeom>
-        </p:spPr>
-      </p:pic>
-      <p:pic>
-        <p:nvPicPr>
-          <p:cNvPr id="5" name="Picture 4" descr="shiny_team_logo.png"/>
-          <p:cNvPicPr>
-            <a:picLocks noChangeAspect="1"/>
-          </p:cNvPicPr>
-          <p:nvPr/>
-        </p:nvPicPr>
-        <p:blipFill>
-          <a:blip r:embed="rId3">
-            <a:alphaModFix/>
-            <a:extLst>
-              <a:ext uri="{BEBA8EAE-BF5A-486C-A8C5-ECC9F3942E4B}">
-                <a14:imgProps xmlns:a14="http://schemas.microsoft.com/office/drawing/2010/main">
-                  <a14:imgLayer r:embed="rId4">
-                    <a14:imgEffect>
-                      <a14:artisticPhotocopy/>
-                    </a14:imgEffect>
-                    <a14:imgEffect>
-                      <a14:sharpenSoften amount="50000"/>
-                    </a14:imgEffect>
-                    <a14:imgEffect>
-                      <a14:saturation sat="33000"/>
-                    </a14:imgEffect>
-                    <a14:imgEffect>
-                      <a14:brightnessContrast bright="40000" contrast="-40000"/>
-                    </a14:imgEffect>
-                  </a14:imgLayer>
-                </a14:imgProps>
-              </a:ext>
-              <a:ext uri="{28A0092B-C50C-407E-A947-70E740481C1C}">
-                <a14:useLocalDpi xmlns:a14="http://schemas.microsoft.com/office/drawing/2010/main" val="0"/>
-              </a:ext>
-            </a:extLst>
-          </a:blip>
-          <a:stretch>
-            <a:fillRect/>
-          </a:stretch>
-        </p:blipFill>
-        <p:spPr>
-          <a:xfrm>
-            <a:off x="0" y="0"/>
-            <a:ext cx="1603091" cy="1089645"/>
-          </a:xfrm>
-          <a:prstGeom prst="rect">
-            <a:avLst/>
-          </a:prstGeom>
-          <a:ln>
-            <a:noFill/>
-          </a:ln>
-          <a:effectLst/>
-        </p:spPr>
-      </p:pic>
-    </p:spTree>
-    <p:extLst>
-      <p:ext uri="{BB962C8B-B14F-4D97-AF65-F5344CB8AC3E}">
-        <p14:creationId xmlns:p14="http://schemas.microsoft.com/office/powerpoint/2010/main" val="3720691107"/>
-      </p:ext>
-    </p:extLst>
-  </p:cSld>
-  <p:clrMapOvr>
-    <a:masterClrMapping/>
-  </p:clrMapOvr>
 </p:sld>
 </file>
 
@@ -6729,11 +6704,6 @@
               </a:rPr>
               <a:t>Excel &amp; Tableau</a:t>
             </a:r>
-            <a:endParaRPr lang="en-US" dirty="0" smtClean="0">
-              <a:solidFill>
-                <a:srgbClr val="F79646"/>
-              </a:solidFill>
-            </a:endParaRPr>
           </a:p>
           <a:p>
             <a:pPr marL="0" indent="0">
@@ -6760,11 +6730,6 @@
               </a:rPr>
               <a:t>	Shiny Dashboard</a:t>
             </a:r>
-            <a:endParaRPr lang="en-US" dirty="0" smtClean="0">
-              <a:solidFill>
-                <a:srgbClr val="F79646"/>
-              </a:solidFill>
-            </a:endParaRPr>
           </a:p>
           <a:p>
             <a:endParaRPr lang="en-US" dirty="0"/>
